--- a/PlanPPT/세부기획서(병력)_초안.pptx
+++ b/PlanPPT/세부기획서(병력)_초안.pptx
@@ -27508,7 +27508,7 @@
         <p:spPr>
           <a:xfrm>
             <a:off x="5986531" y="3285488"/>
-            <a:ext cx="3580348" cy="2788567"/>
+            <a:ext cx="3580349" cy="2788567"/>
           </a:xfrm>
           <a:prstGeom prst="rect">
             <a:avLst/>
@@ -27556,8 +27556,8 @@
         </p:nvSpPr>
         <p:spPr>
           <a:xfrm>
-            <a:off x="2223466" y="2250676"/>
-            <a:ext cx="3634322" cy="3895442"/>
+            <a:off x="2204595" y="2318757"/>
+            <a:ext cx="3699112" cy="3813568"/>
           </a:xfrm>
           <a:prstGeom prst="rect">
             <a:avLst/>
